--- a/UF2/E0_GraphView/doc/geometria_flor.pptx
+++ b/UF2/E0_GraphView/doc/geometria_flor.pptx
@@ -6,6 +6,8 @@
   </p:sldMasterIdLst>
   <p:sldIdLst>
     <p:sldId id="256" r:id="rId2"/>
+    <p:sldId id="257" r:id="rId3"/>
+    <p:sldId id="258" r:id="rId4"/>
   </p:sldIdLst>
   <p:sldSz cx="9144000" cy="6858000" type="screen4x3"/>
   <p:notesSz cx="6858000" cy="9144000"/>
@@ -3435,11 +3437,7 @@
             </a:r>
             <a:r>
               <a:rPr lang="en-US" sz="1400" dirty="0" smtClean="0"/>
-              <a:t>) </a:t>
-            </a:r>
-            <a:r>
-              <a:rPr lang="en-US" sz="1400" dirty="0" smtClean="0"/>
-              <a:t>) </a:t>
+              <a:t>) ) </a:t>
             </a:r>
             <a:endParaRPr lang="en-US" sz="1400" dirty="0"/>
           </a:p>
@@ -3554,17 +3552,7 @@
                   </a:schemeClr>
                 </a:solidFill>
               </a:rPr>
-              <a:t>angle </a:t>
-            </a:r>
-            <a:r>
-              <a:rPr lang="en-US" sz="1050" dirty="0" smtClean="0">
-                <a:solidFill>
-                  <a:schemeClr val="accent6">
-                    <a:lumMod val="75000"/>
-                  </a:schemeClr>
-                </a:solidFill>
-              </a:rPr>
-              <a:t>/ 2</a:t>
+              <a:t>angle / 2</a:t>
             </a:r>
             <a:endParaRPr lang="en-US" sz="1050" dirty="0">
               <a:solidFill>
@@ -3600,11 +3588,7 @@
           <a:p>
             <a:r>
               <a:rPr lang="en-US" sz="1200" dirty="0" smtClean="0"/>
-              <a:t>(</a:t>
-            </a:r>
-            <a:r>
-              <a:rPr lang="en-US" sz="1200" dirty="0" smtClean="0"/>
-              <a:t>x</a:t>
+              <a:t>(x</a:t>
             </a:r>
             <a:r>
               <a:rPr lang="en-US" sz="1200" baseline="-25000" dirty="0" smtClean="0"/>
@@ -3680,11 +3664,7 @@
             </a:r>
             <a:r>
               <a:rPr lang="en-US" sz="1200" dirty="0" smtClean="0"/>
-              <a:t>) </a:t>
-            </a:r>
-            <a:r>
-              <a:rPr lang="en-US" sz="1200" dirty="0" smtClean="0"/>
-              <a:t>) </a:t>
+              <a:t>) ) </a:t>
             </a:r>
             <a:endParaRPr lang="en-US" sz="1200" dirty="0"/>
           </a:p>
@@ -3877,11 +3857,7 @@
             </a:pPr>
             <a:r>
               <a:rPr lang="en-US" sz="1100" dirty="0" smtClean="0"/>
-              <a:t>angle </a:t>
-            </a:r>
-            <a:r>
-              <a:rPr lang="en-US" sz="1100" dirty="0" smtClean="0"/>
-              <a:t>= 2</a:t>
+              <a:t>angle = 2</a:t>
             </a:r>
             <a:r>
               <a:rPr lang="el-GR" sz="1100" dirty="0" smtClean="0"/>
@@ -3889,11 +3865,7 @@
             </a:r>
             <a:r>
               <a:rPr lang="en-US" sz="1100" dirty="0" smtClean="0"/>
-              <a:t> / </a:t>
-            </a:r>
-            <a:r>
-              <a:rPr lang="en-US" sz="1100" dirty="0" smtClean="0"/>
-              <a:t>N</a:t>
+              <a:t> / N</a:t>
             </a:r>
           </a:p>
           <a:p>
@@ -3920,7 +3892,6 @@
               <a:rPr lang="en-US" sz="1100" dirty="0" smtClean="0"/>
               <a:t> / N</a:t>
             </a:r>
-            <a:endParaRPr lang="en-US" sz="1100" dirty="0" smtClean="0"/>
           </a:p>
           <a:p>
             <a:pPr>
@@ -3970,11 +3941,7 @@
             </a:r>
             <a:r>
               <a:rPr lang="en-US" sz="1100" dirty="0" smtClean="0"/>
-              <a:t>) </a:t>
-            </a:r>
-            <a:r>
-              <a:rPr lang="en-US" sz="1100" dirty="0" smtClean="0"/>
-              <a:t> = R/ </a:t>
+              <a:t>)  = R/ </a:t>
             </a:r>
             <a:r>
               <a:rPr lang="en-US" sz="1100" dirty="0" smtClean="0">
@@ -4490,11 +4457,7 @@
           <a:p>
             <a:r>
               <a:rPr lang="en-US" sz="1200" dirty="0" smtClean="0"/>
-              <a:t>(</a:t>
-            </a:r>
-            <a:r>
-              <a:rPr lang="en-US" sz="1200" dirty="0" smtClean="0"/>
-              <a:t>x</a:t>
+              <a:t>(x</a:t>
             </a:r>
             <a:r>
               <a:rPr lang="en-US" sz="1200" baseline="-25000" dirty="0" smtClean="0"/>
@@ -4570,11 +4533,7 @@
             </a:r>
             <a:r>
               <a:rPr lang="en-US" sz="1200" dirty="0" smtClean="0"/>
-              <a:t>) </a:t>
-            </a:r>
-            <a:r>
-              <a:rPr lang="en-US" sz="1200" dirty="0" smtClean="0"/>
-              <a:t>) </a:t>
+              <a:t>) ) </a:t>
             </a:r>
             <a:endParaRPr lang="en-US" sz="1200" dirty="0"/>
           </a:p>
@@ -5494,17 +5453,7 @@
                   </a:schemeClr>
                 </a:solidFill>
               </a:rPr>
-              <a:t>angle </a:t>
-            </a:r>
-            <a:r>
-              <a:rPr lang="en-US" sz="1050" dirty="0" smtClean="0">
-                <a:solidFill>
-                  <a:schemeClr val="accent6">
-                    <a:lumMod val="75000"/>
-                  </a:schemeClr>
-                </a:solidFill>
-              </a:rPr>
-              <a:t>/ 2</a:t>
+              <a:t>angle / 2</a:t>
             </a:r>
             <a:endParaRPr lang="en-US" sz="1050" dirty="0">
               <a:solidFill>
@@ -5516,6 +5465,658 @@
           </a:p>
         </p:txBody>
       </p:sp>
+    </p:spTree>
+  </p:cSld>
+  <p:clrMapOvr>
+    <a:masterClrMapping/>
+  </p:clrMapOvr>
+</p:sld>
+</file>
+
+<file path=ppt/slides/slide2.xml><?xml version="1.0" encoding="utf-8"?>
+<p:sld xmlns:a="http://schemas.openxmlformats.org/drawingml/2006/main" xmlns:r="http://schemas.openxmlformats.org/officeDocument/2006/relationships" xmlns:p="http://schemas.openxmlformats.org/presentationml/2006/main">
+  <p:cSld>
+    <p:spTree>
+      <p:nvGrpSpPr>
+        <p:cNvPr id="1" name=""/>
+        <p:cNvGrpSpPr/>
+        <p:nvPr/>
+      </p:nvGrpSpPr>
+      <p:grpSpPr>
+        <a:xfrm>
+          <a:off x="0" y="0"/>
+          <a:ext cx="0" cy="0"/>
+          <a:chOff x="0" y="0"/>
+          <a:chExt cx="0" cy="0"/>
+        </a:xfrm>
+      </p:grpSpPr>
+      <p:sp>
+        <p:nvSpPr>
+          <p:cNvPr id="4" name="3 Rectángulo"/>
+          <p:cNvSpPr/>
+          <p:nvPr/>
+        </p:nvSpPr>
+        <p:spPr>
+          <a:xfrm>
+            <a:off x="5148064" y="1124744"/>
+            <a:ext cx="1224136" cy="2448272"/>
+          </a:xfrm>
+          <a:prstGeom prst="rect">
+            <a:avLst/>
+          </a:prstGeom>
+        </p:spPr>
+        <p:style>
+          <a:lnRef idx="2">
+            <a:schemeClr val="accent1">
+              <a:shade val="50000"/>
+            </a:schemeClr>
+          </a:lnRef>
+          <a:fillRef idx="1">
+            <a:schemeClr val="accent1"/>
+          </a:fillRef>
+          <a:effectRef idx="0">
+            <a:schemeClr val="accent1"/>
+          </a:effectRef>
+          <a:fontRef idx="minor">
+            <a:schemeClr val="lt1"/>
+          </a:fontRef>
+        </p:style>
+        <p:txBody>
+          <a:bodyPr rtlCol="0" anchor="ctr"/>
+          <a:lstStyle/>
+          <a:p>
+            <a:pPr algn="ctr"/>
+            <a:endParaRPr lang="en-US"/>
+          </a:p>
+        </p:txBody>
+      </p:sp>
+      <p:pic>
+        <p:nvPicPr>
+          <p:cNvPr id="1026" name="Picture 2" descr="C:\Users\BERNAT\Docencia\Material_Moduls\M8_PMDM\gitRepo\UF2\E0_GraphView\app\src\main\res\drawable\ventilador.jpg"/>
+          <p:cNvPicPr>
+            <a:picLocks noChangeAspect="1" noChangeArrowheads="1"/>
+          </p:cNvPicPr>
+          <p:nvPr/>
+        </p:nvPicPr>
+        <p:blipFill>
+          <a:blip r:embed="rId2" cstate="print"/>
+          <a:srcRect/>
+          <a:stretch>
+            <a:fillRect/>
+          </a:stretch>
+        </p:blipFill>
+        <p:spPr bwMode="auto">
+          <a:xfrm>
+            <a:off x="899592" y="764704"/>
+            <a:ext cx="2466975" cy="2466975"/>
+          </a:xfrm>
+          <a:prstGeom prst="rect">
+            <a:avLst/>
+          </a:prstGeom>
+          <a:solidFill>
+            <a:srgbClr val="FFFFFF">
+              <a:shade val="85000"/>
+            </a:srgbClr>
+          </a:solidFill>
+          <a:ln w="88900" cap="sq">
+            <a:solidFill>
+              <a:srgbClr val="FFFFFF"/>
+            </a:solidFill>
+            <a:miter lim="800000"/>
+          </a:ln>
+          <a:effectLst>
+            <a:outerShdw blurRad="55000" dist="18000" dir="5400000" algn="tl" rotWithShape="0">
+              <a:srgbClr val="000000">
+                <a:alpha val="40000"/>
+              </a:srgbClr>
+            </a:outerShdw>
+          </a:effectLst>
+          <a:scene3d>
+            <a:camera prst="orthographicFront"/>
+            <a:lightRig rig="twoPt" dir="t">
+              <a:rot lat="0" lon="0" rev="7200000"/>
+            </a:lightRig>
+          </a:scene3d>
+          <a:sp3d>
+            <a:bevelT w="25400" h="19050"/>
+            <a:contourClr>
+              <a:srgbClr val="FFFFFF"/>
+            </a:contourClr>
+          </a:sp3d>
+        </p:spPr>
+      </p:pic>
+      <p:pic>
+        <p:nvPicPr>
+          <p:cNvPr id="6" name="Picture 2" descr="C:\Users\BERNAT\Docencia\Material_Moduls\M8_PMDM\gitRepo\UF2\E0_GraphView\app\src\main\res\drawable\ventilador.jpg"/>
+          <p:cNvPicPr>
+            <a:picLocks noChangeAspect="1" noChangeArrowheads="1"/>
+          </p:cNvPicPr>
+          <p:nvPr/>
+        </p:nvPicPr>
+        <p:blipFill>
+          <a:blip r:embed="rId2" cstate="print"/>
+          <a:srcRect/>
+          <a:stretch>
+            <a:fillRect/>
+          </a:stretch>
+        </p:blipFill>
+        <p:spPr bwMode="auto">
+          <a:xfrm>
+            <a:off x="971600" y="3789040"/>
+            <a:ext cx="2466975" cy="2466975"/>
+          </a:xfrm>
+          <a:prstGeom prst="rect">
+            <a:avLst/>
+          </a:prstGeom>
+          <a:solidFill>
+            <a:srgbClr val="FFFFFF">
+              <a:shade val="85000"/>
+            </a:srgbClr>
+          </a:solidFill>
+          <a:ln w="88900" cap="sq">
+            <a:solidFill>
+              <a:srgbClr val="FFFFFF"/>
+            </a:solidFill>
+            <a:miter lim="800000"/>
+          </a:ln>
+          <a:effectLst>
+            <a:outerShdw blurRad="55000" dist="18000" dir="5400000" algn="tl" rotWithShape="0">
+              <a:srgbClr val="000000">
+                <a:alpha val="40000"/>
+              </a:srgbClr>
+            </a:outerShdw>
+          </a:effectLst>
+          <a:scene3d>
+            <a:camera prst="orthographicFront"/>
+            <a:lightRig rig="twoPt" dir="t">
+              <a:rot lat="0" lon="0" rev="7200000"/>
+            </a:lightRig>
+          </a:scene3d>
+          <a:sp3d>
+            <a:bevelT w="25400" h="19050"/>
+            <a:contourClr>
+              <a:srgbClr val="FFFFFF"/>
+            </a:contourClr>
+          </a:sp3d>
+        </p:spPr>
+      </p:pic>
+      <p:cxnSp>
+        <p:nvCxnSpPr>
+          <p:cNvPr id="8" name="7 Conector recto"/>
+          <p:cNvCxnSpPr/>
+          <p:nvPr/>
+        </p:nvCxnSpPr>
+        <p:spPr>
+          <a:xfrm>
+            <a:off x="899592" y="3717032"/>
+            <a:ext cx="5184576" cy="0"/>
+          </a:xfrm>
+          <a:prstGeom prst="line">
+            <a:avLst/>
+          </a:prstGeom>
+        </p:spPr>
+        <p:style>
+          <a:lnRef idx="1">
+            <a:schemeClr val="accent1"/>
+          </a:lnRef>
+          <a:fillRef idx="0">
+            <a:schemeClr val="accent1"/>
+          </a:fillRef>
+          <a:effectRef idx="0">
+            <a:schemeClr val="accent1"/>
+          </a:effectRef>
+          <a:fontRef idx="minor">
+            <a:schemeClr val="tx1"/>
+          </a:fontRef>
+        </p:style>
+      </p:cxnSp>
+      <p:cxnSp>
+        <p:nvCxnSpPr>
+          <p:cNvPr id="10" name="9 Conector recto"/>
+          <p:cNvCxnSpPr/>
+          <p:nvPr/>
+        </p:nvCxnSpPr>
+        <p:spPr>
+          <a:xfrm>
+            <a:off x="899592" y="3717032"/>
+            <a:ext cx="0" cy="2880320"/>
+          </a:xfrm>
+          <a:prstGeom prst="line">
+            <a:avLst/>
+          </a:prstGeom>
+        </p:spPr>
+        <p:style>
+          <a:lnRef idx="1">
+            <a:schemeClr val="accent1"/>
+          </a:lnRef>
+          <a:fillRef idx="0">
+            <a:schemeClr val="accent1"/>
+          </a:fillRef>
+          <a:effectRef idx="0">
+            <a:schemeClr val="accent1"/>
+          </a:effectRef>
+          <a:fontRef idx="minor">
+            <a:schemeClr val="tx1"/>
+          </a:fontRef>
+        </p:style>
+      </p:cxnSp>
+      <p:pic>
+        <p:nvPicPr>
+          <p:cNvPr id="11" name="Picture 2" descr="C:\Users\BERNAT\Docencia\Material_Moduls\M8_PMDM\gitRepo\UF2\E0_GraphView\app\src\main\res\drawable\ventilador.jpg"/>
+          <p:cNvPicPr>
+            <a:picLocks noChangeAspect="1" noChangeArrowheads="1"/>
+          </p:cNvPicPr>
+          <p:nvPr/>
+        </p:nvPicPr>
+        <p:blipFill>
+          <a:blip r:embed="rId3" cstate="print"/>
+          <a:srcRect/>
+          <a:stretch>
+            <a:fillRect/>
+          </a:stretch>
+        </p:blipFill>
+        <p:spPr bwMode="auto">
+          <a:xfrm rot="2421983">
+            <a:off x="223444" y="3184900"/>
+            <a:ext cx="1082968" cy="1082968"/>
+          </a:xfrm>
+          <a:prstGeom prst="rect">
+            <a:avLst/>
+          </a:prstGeom>
+          <a:solidFill>
+            <a:srgbClr val="FFFFFF">
+              <a:shade val="85000"/>
+            </a:srgbClr>
+          </a:solidFill>
+          <a:ln w="88900" cap="sq">
+            <a:solidFill>
+              <a:srgbClr val="FFFFFF"/>
+            </a:solidFill>
+            <a:miter lim="800000"/>
+          </a:ln>
+          <a:effectLst>
+            <a:outerShdw blurRad="55000" dist="18000" dir="5400000" algn="tl" rotWithShape="0">
+              <a:srgbClr val="000000">
+                <a:alpha val="40000"/>
+              </a:srgbClr>
+            </a:outerShdw>
+          </a:effectLst>
+          <a:scene3d>
+            <a:camera prst="orthographicFront"/>
+            <a:lightRig rig="twoPt" dir="t">
+              <a:rot lat="0" lon="0" rev="7200000"/>
+            </a:lightRig>
+          </a:scene3d>
+          <a:sp3d>
+            <a:bevelT w="25400" h="19050"/>
+            <a:contourClr>
+              <a:srgbClr val="FFFFFF"/>
+            </a:contourClr>
+          </a:sp3d>
+        </p:spPr>
+      </p:pic>
+      <p:cxnSp>
+        <p:nvCxnSpPr>
+          <p:cNvPr id="13" name="12 Conector recto de flecha"/>
+          <p:cNvCxnSpPr/>
+          <p:nvPr/>
+        </p:nvCxnSpPr>
+        <p:spPr>
+          <a:xfrm flipH="1">
+            <a:off x="899592" y="6453336"/>
+            <a:ext cx="1224136" cy="0"/>
+          </a:xfrm>
+          <a:prstGeom prst="straightConnector1">
+            <a:avLst/>
+          </a:prstGeom>
+          <a:ln>
+            <a:tailEnd type="arrow"/>
+          </a:ln>
+        </p:spPr>
+        <p:style>
+          <a:lnRef idx="1">
+            <a:schemeClr val="accent1"/>
+          </a:lnRef>
+          <a:fillRef idx="0">
+            <a:schemeClr val="accent1"/>
+          </a:fillRef>
+          <a:effectRef idx="0">
+            <a:schemeClr val="accent1"/>
+          </a:effectRef>
+          <a:fontRef idx="minor">
+            <a:schemeClr val="tx1"/>
+          </a:fontRef>
+        </p:style>
+      </p:cxnSp>
+      <p:cxnSp>
+        <p:nvCxnSpPr>
+          <p:cNvPr id="14" name="13 Conector recto de flecha"/>
+          <p:cNvCxnSpPr/>
+          <p:nvPr/>
+        </p:nvCxnSpPr>
+        <p:spPr>
+          <a:xfrm flipV="1">
+            <a:off x="3059832" y="3717032"/>
+            <a:ext cx="0" cy="1224136"/>
+          </a:xfrm>
+          <a:prstGeom prst="straightConnector1">
+            <a:avLst/>
+          </a:prstGeom>
+          <a:ln>
+            <a:tailEnd type="arrow"/>
+          </a:ln>
+        </p:spPr>
+        <p:style>
+          <a:lnRef idx="1">
+            <a:schemeClr val="accent1"/>
+          </a:lnRef>
+          <a:fillRef idx="0">
+            <a:schemeClr val="accent1"/>
+          </a:fillRef>
+          <a:effectRef idx="0">
+            <a:schemeClr val="accent1"/>
+          </a:effectRef>
+          <a:fontRef idx="minor">
+            <a:schemeClr val="tx1"/>
+          </a:fontRef>
+        </p:style>
+      </p:cxnSp>
+    </p:spTree>
+  </p:cSld>
+  <p:clrMapOvr>
+    <a:masterClrMapping/>
+  </p:clrMapOvr>
+</p:sld>
+</file>
+
+<file path=ppt/slides/slide3.xml><?xml version="1.0" encoding="utf-8"?>
+<p:sld xmlns:a="http://schemas.openxmlformats.org/drawingml/2006/main" xmlns:r="http://schemas.openxmlformats.org/officeDocument/2006/relationships" xmlns:p="http://schemas.openxmlformats.org/presentationml/2006/main">
+  <p:cSld>
+    <p:spTree>
+      <p:nvGrpSpPr>
+        <p:cNvPr id="1" name=""/>
+        <p:cNvGrpSpPr/>
+        <p:nvPr/>
+      </p:nvGrpSpPr>
+      <p:grpSpPr>
+        <a:xfrm>
+          <a:off x="0" y="0"/>
+          <a:ext cx="0" cy="0"/>
+          <a:chOff x="0" y="0"/>
+          <a:chExt cx="0" cy="0"/>
+        </a:xfrm>
+      </p:grpSpPr>
+      <p:sp>
+        <p:nvSpPr>
+          <p:cNvPr id="6" name="5 Forma libre"/>
+          <p:cNvSpPr/>
+          <p:nvPr/>
+        </p:nvSpPr>
+        <p:spPr>
+          <a:xfrm rot="20522753">
+            <a:off x="1939280" y="2482938"/>
+            <a:ext cx="2438400" cy="1057275"/>
+          </a:xfrm>
+          <a:custGeom>
+            <a:avLst/>
+            <a:gdLst>
+              <a:gd name="connsiteX0" fmla="*/ 0 w 2438400"/>
+              <a:gd name="connsiteY0" fmla="*/ 571500 h 1057275"/>
+              <a:gd name="connsiteX1" fmla="*/ 1419225 w 2438400"/>
+              <a:gd name="connsiteY1" fmla="*/ 66675 h 1057275"/>
+              <a:gd name="connsiteX2" fmla="*/ 1600200 w 2438400"/>
+              <a:gd name="connsiteY2" fmla="*/ 19050 h 1057275"/>
+              <a:gd name="connsiteX3" fmla="*/ 1847850 w 2438400"/>
+              <a:gd name="connsiteY3" fmla="*/ 0 h 1057275"/>
+              <a:gd name="connsiteX4" fmla="*/ 2162175 w 2438400"/>
+              <a:gd name="connsiteY4" fmla="*/ 95250 h 1057275"/>
+              <a:gd name="connsiteX5" fmla="*/ 2257425 w 2438400"/>
+              <a:gd name="connsiteY5" fmla="*/ 142875 h 1057275"/>
+              <a:gd name="connsiteX6" fmla="*/ 2333625 w 2438400"/>
+              <a:gd name="connsiteY6" fmla="*/ 247650 h 1057275"/>
+              <a:gd name="connsiteX7" fmla="*/ 2390775 w 2438400"/>
+              <a:gd name="connsiteY7" fmla="*/ 333375 h 1057275"/>
+              <a:gd name="connsiteX8" fmla="*/ 2419350 w 2438400"/>
+              <a:gd name="connsiteY8" fmla="*/ 428625 h 1057275"/>
+              <a:gd name="connsiteX9" fmla="*/ 2438400 w 2438400"/>
+              <a:gd name="connsiteY9" fmla="*/ 533400 h 1057275"/>
+              <a:gd name="connsiteX10" fmla="*/ 2438400 w 2438400"/>
+              <a:gd name="connsiteY10" fmla="*/ 628650 h 1057275"/>
+              <a:gd name="connsiteX11" fmla="*/ 2409825 w 2438400"/>
+              <a:gd name="connsiteY11" fmla="*/ 809625 h 1057275"/>
+              <a:gd name="connsiteX12" fmla="*/ 2352675 w 2438400"/>
+              <a:gd name="connsiteY12" fmla="*/ 942975 h 1057275"/>
+              <a:gd name="connsiteX13" fmla="*/ 2286000 w 2438400"/>
+              <a:gd name="connsiteY13" fmla="*/ 1009650 h 1057275"/>
+              <a:gd name="connsiteX14" fmla="*/ 2181225 w 2438400"/>
+              <a:gd name="connsiteY14" fmla="*/ 1038225 h 1057275"/>
+              <a:gd name="connsiteX15" fmla="*/ 2038350 w 2438400"/>
+              <a:gd name="connsiteY15" fmla="*/ 1057275 h 1057275"/>
+              <a:gd name="connsiteX16" fmla="*/ 1876425 w 2438400"/>
+              <a:gd name="connsiteY16" fmla="*/ 1057275 h 1057275"/>
+              <a:gd name="connsiteX17" fmla="*/ 1657350 w 2438400"/>
+              <a:gd name="connsiteY17" fmla="*/ 1057275 h 1057275"/>
+              <a:gd name="connsiteX18" fmla="*/ 1304925 w 2438400"/>
+              <a:gd name="connsiteY18" fmla="*/ 971550 h 1057275"/>
+              <a:gd name="connsiteX19" fmla="*/ 0 w 2438400"/>
+              <a:gd name="connsiteY19" fmla="*/ 571500 h 1057275"/>
+            </a:gdLst>
+            <a:ahLst/>
+            <a:cxnLst>
+              <a:cxn ang="0">
+                <a:pos x="connsiteX0" y="connsiteY0"/>
+              </a:cxn>
+              <a:cxn ang="0">
+                <a:pos x="connsiteX1" y="connsiteY1"/>
+              </a:cxn>
+              <a:cxn ang="0">
+                <a:pos x="connsiteX2" y="connsiteY2"/>
+              </a:cxn>
+              <a:cxn ang="0">
+                <a:pos x="connsiteX3" y="connsiteY3"/>
+              </a:cxn>
+              <a:cxn ang="0">
+                <a:pos x="connsiteX4" y="connsiteY4"/>
+              </a:cxn>
+              <a:cxn ang="0">
+                <a:pos x="connsiteX5" y="connsiteY5"/>
+              </a:cxn>
+              <a:cxn ang="0">
+                <a:pos x="connsiteX6" y="connsiteY6"/>
+              </a:cxn>
+              <a:cxn ang="0">
+                <a:pos x="connsiteX7" y="connsiteY7"/>
+              </a:cxn>
+              <a:cxn ang="0">
+                <a:pos x="connsiteX8" y="connsiteY8"/>
+              </a:cxn>
+              <a:cxn ang="0">
+                <a:pos x="connsiteX9" y="connsiteY9"/>
+              </a:cxn>
+              <a:cxn ang="0">
+                <a:pos x="connsiteX10" y="connsiteY10"/>
+              </a:cxn>
+              <a:cxn ang="0">
+                <a:pos x="connsiteX11" y="connsiteY11"/>
+              </a:cxn>
+              <a:cxn ang="0">
+                <a:pos x="connsiteX12" y="connsiteY12"/>
+              </a:cxn>
+              <a:cxn ang="0">
+                <a:pos x="connsiteX13" y="connsiteY13"/>
+              </a:cxn>
+              <a:cxn ang="0">
+                <a:pos x="connsiteX14" y="connsiteY14"/>
+              </a:cxn>
+              <a:cxn ang="0">
+                <a:pos x="connsiteX15" y="connsiteY15"/>
+              </a:cxn>
+              <a:cxn ang="0">
+                <a:pos x="connsiteX16" y="connsiteY16"/>
+              </a:cxn>
+              <a:cxn ang="0">
+                <a:pos x="connsiteX17" y="connsiteY17"/>
+              </a:cxn>
+              <a:cxn ang="0">
+                <a:pos x="connsiteX18" y="connsiteY18"/>
+              </a:cxn>
+              <a:cxn ang="0">
+                <a:pos x="connsiteX19" y="connsiteY19"/>
+              </a:cxn>
+            </a:cxnLst>
+            <a:rect l="l" t="t" r="r" b="b"/>
+            <a:pathLst>
+              <a:path w="2438400" h="1057275">
+                <a:moveTo>
+                  <a:pt x="0" y="571500"/>
+                </a:moveTo>
+                <a:lnTo>
+                  <a:pt x="1419225" y="66675"/>
+                </a:lnTo>
+                <a:lnTo>
+                  <a:pt x="1600200" y="19050"/>
+                </a:lnTo>
+                <a:lnTo>
+                  <a:pt x="1847850" y="0"/>
+                </a:lnTo>
+                <a:lnTo>
+                  <a:pt x="2162175" y="95250"/>
+                </a:lnTo>
+                <a:lnTo>
+                  <a:pt x="2257425" y="142875"/>
+                </a:lnTo>
+                <a:lnTo>
+                  <a:pt x="2333625" y="247650"/>
+                </a:lnTo>
+                <a:lnTo>
+                  <a:pt x="2390775" y="333375"/>
+                </a:lnTo>
+                <a:lnTo>
+                  <a:pt x="2419350" y="428625"/>
+                </a:lnTo>
+                <a:lnTo>
+                  <a:pt x="2438400" y="533400"/>
+                </a:lnTo>
+                <a:lnTo>
+                  <a:pt x="2438400" y="628650"/>
+                </a:lnTo>
+                <a:lnTo>
+                  <a:pt x="2409825" y="809625"/>
+                </a:lnTo>
+                <a:lnTo>
+                  <a:pt x="2352675" y="942975"/>
+                </a:lnTo>
+                <a:lnTo>
+                  <a:pt x="2286000" y="1009650"/>
+                </a:lnTo>
+                <a:lnTo>
+                  <a:pt x="2181225" y="1038225"/>
+                </a:lnTo>
+                <a:lnTo>
+                  <a:pt x="2038350" y="1057275"/>
+                </a:lnTo>
+                <a:lnTo>
+                  <a:pt x="1876425" y="1057275"/>
+                </a:lnTo>
+                <a:lnTo>
+                  <a:pt x="1657350" y="1057275"/>
+                </a:lnTo>
+                <a:lnTo>
+                  <a:pt x="1304925" y="971550"/>
+                </a:lnTo>
+                <a:lnTo>
+                  <a:pt x="0" y="571500"/>
+                </a:lnTo>
+                <a:close/>
+              </a:path>
+            </a:pathLst>
+          </a:custGeom>
+        </p:spPr>
+        <p:style>
+          <a:lnRef idx="2">
+            <a:schemeClr val="accent1">
+              <a:shade val="50000"/>
+            </a:schemeClr>
+          </a:lnRef>
+          <a:fillRef idx="1">
+            <a:schemeClr val="accent1"/>
+          </a:fillRef>
+          <a:effectRef idx="0">
+            <a:schemeClr val="accent1"/>
+          </a:effectRef>
+          <a:fontRef idx="minor">
+            <a:schemeClr val="lt1"/>
+          </a:fontRef>
+        </p:style>
+        <p:txBody>
+          <a:bodyPr rtlCol="0" anchor="ctr"/>
+          <a:lstStyle/>
+          <a:p>
+            <a:pPr algn="ctr"/>
+            <a:endParaRPr lang="en-US"/>
+          </a:p>
+        </p:txBody>
+      </p:sp>
+      <p:cxnSp>
+        <p:nvCxnSpPr>
+          <p:cNvPr id="7" name="6 Conector recto"/>
+          <p:cNvCxnSpPr/>
+          <p:nvPr/>
+        </p:nvCxnSpPr>
+        <p:spPr>
+          <a:xfrm>
+            <a:off x="1979712" y="3429000"/>
+            <a:ext cx="5184576" cy="0"/>
+          </a:xfrm>
+          <a:prstGeom prst="line">
+            <a:avLst/>
+          </a:prstGeom>
+        </p:spPr>
+        <p:style>
+          <a:lnRef idx="1">
+            <a:schemeClr val="accent1"/>
+          </a:lnRef>
+          <a:fillRef idx="0">
+            <a:schemeClr val="accent1"/>
+          </a:fillRef>
+          <a:effectRef idx="0">
+            <a:schemeClr val="accent1"/>
+          </a:effectRef>
+          <a:fontRef idx="minor">
+            <a:schemeClr val="tx1"/>
+          </a:fontRef>
+        </p:style>
+      </p:cxnSp>
+      <p:cxnSp>
+        <p:nvCxnSpPr>
+          <p:cNvPr id="8" name="7 Conector recto"/>
+          <p:cNvCxnSpPr/>
+          <p:nvPr/>
+        </p:nvCxnSpPr>
+        <p:spPr>
+          <a:xfrm>
+            <a:off x="1979712" y="3429000"/>
+            <a:ext cx="0" cy="2880320"/>
+          </a:xfrm>
+          <a:prstGeom prst="line">
+            <a:avLst/>
+          </a:prstGeom>
+        </p:spPr>
+        <p:style>
+          <a:lnRef idx="1">
+            <a:schemeClr val="accent1"/>
+          </a:lnRef>
+          <a:fillRef idx="0">
+            <a:schemeClr val="accent1"/>
+          </a:fillRef>
+          <a:effectRef idx="0">
+            <a:schemeClr val="accent1"/>
+          </a:effectRef>
+          <a:fontRef idx="minor">
+            <a:schemeClr val="tx1"/>
+          </a:fontRef>
+        </p:style>
+      </p:cxnSp>
     </p:spTree>
   </p:cSld>
   <p:clrMapOvr>
